--- a/Invelitoare Convexa/Invelitoare Convexa.pptx
+++ b/Invelitoare Convexa/Invelitoare Convexa.pptx
@@ -252,7 +252,7 @@
             <a:fld id="{1D8BD707-D9CF-40AE-B4C6-C98DA3205C09}" type="datetimeFigureOut">
               <a:rPr lang="en-US" smtClean="0"/>
               <a:pPr/>
-              <a:t>3/23/2021</a:t>
+              <a:t>3/24/2021</a:t>
             </a:fld>
             <a:endParaRPr lang="en-US"/>
           </a:p>
@@ -567,7 +567,7 @@
             <a:fld id="{1D8BD707-D9CF-40AE-B4C6-C98DA3205C09}" type="datetimeFigureOut">
               <a:rPr lang="en-US" smtClean="0"/>
               <a:pPr/>
-              <a:t>3/23/2021</a:t>
+              <a:t>3/24/2021</a:t>
             </a:fld>
             <a:endParaRPr lang="en-US"/>
           </a:p>
@@ -754,7 +754,7 @@
             <a:fld id="{1D8BD707-D9CF-40AE-B4C6-C98DA3205C09}" type="datetimeFigureOut">
               <a:rPr lang="en-US" smtClean="0"/>
               <a:pPr/>
-              <a:t>3/23/2021</a:t>
+              <a:t>3/24/2021</a:t>
             </a:fld>
             <a:endParaRPr lang="en-US"/>
           </a:p>
@@ -931,7 +931,7 @@
             <a:fld id="{1D8BD707-D9CF-40AE-B4C6-C98DA3205C09}" type="datetimeFigureOut">
               <a:rPr lang="en-US" smtClean="0"/>
               <a:pPr/>
-              <a:t>3/23/2021</a:t>
+              <a:t>3/24/2021</a:t>
             </a:fld>
             <a:endParaRPr lang="en-US"/>
           </a:p>
@@ -1201,7 +1201,7 @@
             <a:fld id="{1D8BD707-D9CF-40AE-B4C6-C98DA3205C09}" type="datetimeFigureOut">
               <a:rPr lang="en-US" smtClean="0"/>
               <a:pPr/>
-              <a:t>3/23/2021</a:t>
+              <a:t>3/24/2021</a:t>
             </a:fld>
             <a:endParaRPr lang="en-US"/>
           </a:p>
@@ -1671,7 +1671,7 @@
             <a:fld id="{1D8BD707-D9CF-40AE-B4C6-C98DA3205C09}" type="datetimeFigureOut">
               <a:rPr lang="en-US" smtClean="0"/>
               <a:pPr/>
-              <a:t>3/23/2021</a:t>
+              <a:t>3/24/2021</a:t>
             </a:fld>
             <a:endParaRPr lang="en-US"/>
           </a:p>
@@ -2162,7 +2162,7 @@
             <a:fld id="{1D8BD707-D9CF-40AE-B4C6-C98DA3205C09}" type="datetimeFigureOut">
               <a:rPr lang="en-US" smtClean="0"/>
               <a:pPr/>
-              <a:t>3/23/2021</a:t>
+              <a:t>3/24/2021</a:t>
             </a:fld>
             <a:endParaRPr lang="en-US"/>
           </a:p>
@@ -2290,7 +2290,7 @@
             <a:fld id="{1D8BD707-D9CF-40AE-B4C6-C98DA3205C09}" type="datetimeFigureOut">
               <a:rPr lang="en-US" smtClean="0"/>
               <a:pPr/>
-              <a:t>3/23/2021</a:t>
+              <a:t>3/24/2021</a:t>
             </a:fld>
             <a:endParaRPr lang="en-US"/>
           </a:p>
@@ -2436,7 +2436,7 @@
             <a:fld id="{1D8BD707-D9CF-40AE-B4C6-C98DA3205C09}" type="datetimeFigureOut">
               <a:rPr lang="en-US" smtClean="0"/>
               <a:pPr/>
-              <a:t>3/23/2021</a:t>
+              <a:t>3/24/2021</a:t>
             </a:fld>
             <a:endParaRPr lang="en-US"/>
           </a:p>
@@ -2760,7 +2760,7 @@
             <a:fld id="{1D8BD707-D9CF-40AE-B4C6-C98DA3205C09}" type="datetimeFigureOut">
               <a:rPr lang="en-US" smtClean="0"/>
               <a:pPr/>
-              <a:t>3/23/2021</a:t>
+              <a:t>3/24/2021</a:t>
             </a:fld>
             <a:endParaRPr lang="en-US"/>
           </a:p>
@@ -2896,7 +2896,7 @@
             <a:fld id="{1D8BD707-D9CF-40AE-B4C6-C98DA3205C09}" type="datetimeFigureOut">
               <a:rPr lang="en-US" smtClean="0"/>
               <a:pPr/>
-              <a:t>3/23/2021</a:t>
+              <a:t>3/24/2021</a:t>
             </a:fld>
             <a:endParaRPr lang="en-US"/>
           </a:p>
@@ -3679,7 +3679,7 @@
             <a:fld id="{1D8BD707-D9CF-40AE-B4C6-C98DA3205C09}" type="datetimeFigureOut">
               <a:rPr lang="en-US" smtClean="0"/>
               <a:pPr/>
-              <a:t>3/23/2021</a:t>
+              <a:t>3/24/2021</a:t>
             </a:fld>
             <a:endParaRPr lang="en-US"/>
           </a:p>
@@ -4240,11 +4240,7 @@
             </a:r>
             <a:r>
               <a:rPr lang="en-US" dirty="0" smtClean="0"/>
-              <a:t> </a:t>
-            </a:r>
-            <a:r>
-              <a:rPr lang="en-US" dirty="0" smtClean="0"/>
-              <a:t>de:</a:t>
+              <a:t> de:</a:t>
             </a:r>
             <a:r>
               <a:rPr lang="en-US" dirty="0"/>
@@ -4253,10 +4249,6 @@
             <a:r>
               <a:rPr lang="en-US" dirty="0" smtClean="0"/>
               <a:t>	</a:t>
-            </a:r>
-            <a:r>
-              <a:rPr lang="en-US" dirty="0" smtClean="0"/>
-              <a:t/>
             </a:r>
             <a:br>
               <a:rPr lang="en-US" dirty="0" smtClean="0"/>
@@ -4277,7 +4269,6 @@
               <a:rPr lang="en-US" dirty="0" smtClean="0"/>
               <a:t> Marius</a:t>
             </a:r>
-            <a:endParaRPr lang="en-US" dirty="0" smtClean="0"/>
           </a:p>
           <a:p>
             <a:pPr algn="r"/>
@@ -4889,9 +4880,133 @@
   <p:timing>
     <p:tnLst>
       <p:par>
-        <p:cTn id="1" dur="indefinite" restart="never" nodeType="tmRoot"/>
+        <p:cTn id="1" dur="indefinite" restart="never" nodeType="tmRoot">
+          <p:childTnLst>
+            <p:seq concurrent="1" nextAc="seek">
+              <p:cTn id="2" dur="indefinite" nodeType="mainSeq">
+                <p:childTnLst>
+                  <p:par>
+                    <p:cTn id="3" fill="hold">
+                      <p:stCondLst>
+                        <p:cond delay="indefinite"/>
+                      </p:stCondLst>
+                      <p:childTnLst>
+                        <p:par>
+                          <p:cTn id="4" fill="hold">
+                            <p:stCondLst>
+                              <p:cond delay="0"/>
+                            </p:stCondLst>
+                            <p:childTnLst>
+                              <p:par>
+                                <p:cTn id="5" presetID="18" presetClass="entr" presetSubtype="12" fill="hold" grpId="0" nodeType="clickEffect">
+                                  <p:stCondLst>
+                                    <p:cond delay="0"/>
+                                  </p:stCondLst>
+                                  <p:childTnLst>
+                                    <p:set>
+                                      <p:cBhvr>
+                                        <p:cTn id="6" dur="1" fill="hold">
+                                          <p:stCondLst>
+                                            <p:cond delay="0"/>
+                                          </p:stCondLst>
+                                        </p:cTn>
+                                        <p:tgtEl>
+                                          <p:spTgt spid="4"/>
+                                        </p:tgtEl>
+                                        <p:attrNameLst>
+                                          <p:attrName>style.visibility</p:attrName>
+                                        </p:attrNameLst>
+                                      </p:cBhvr>
+                                      <p:to>
+                                        <p:strVal val="visible"/>
+                                      </p:to>
+                                    </p:set>
+                                    <p:animEffect transition="in" filter="strips(downLeft)">
+                                      <p:cBhvr>
+                                        <p:cTn id="7" dur="500"/>
+                                        <p:tgtEl>
+                                          <p:spTgt spid="4"/>
+                                        </p:tgtEl>
+                                      </p:cBhvr>
+                                    </p:animEffect>
+                                  </p:childTnLst>
+                                </p:cTn>
+                              </p:par>
+                            </p:childTnLst>
+                          </p:cTn>
+                        </p:par>
+                      </p:childTnLst>
+                    </p:cTn>
+                  </p:par>
+                  <p:par>
+                    <p:cTn id="8" fill="hold">
+                      <p:stCondLst>
+                        <p:cond delay="indefinite"/>
+                      </p:stCondLst>
+                      <p:childTnLst>
+                        <p:par>
+                          <p:cTn id="9" fill="hold">
+                            <p:stCondLst>
+                              <p:cond delay="0"/>
+                            </p:stCondLst>
+                            <p:childTnLst>
+                              <p:par>
+                                <p:cTn id="10" presetID="1" presetClass="entr" presetSubtype="0" fill="hold" nodeType="clickEffect">
+                                  <p:stCondLst>
+                                    <p:cond delay="0"/>
+                                  </p:stCondLst>
+                                  <p:childTnLst>
+                                    <p:set>
+                                      <p:cBhvr>
+                                        <p:cTn id="11" dur="1" fill="hold">
+                                          <p:stCondLst>
+                                            <p:cond delay="0"/>
+                                          </p:stCondLst>
+                                        </p:cTn>
+                                        <p:tgtEl>
+                                          <p:spTgt spid="24578"/>
+                                        </p:tgtEl>
+                                        <p:attrNameLst>
+                                          <p:attrName>style.visibility</p:attrName>
+                                        </p:attrNameLst>
+                                      </p:cBhvr>
+                                      <p:to>
+                                        <p:strVal val="visible"/>
+                                      </p:to>
+                                    </p:set>
+                                  </p:childTnLst>
+                                </p:cTn>
+                              </p:par>
+                            </p:childTnLst>
+                          </p:cTn>
+                        </p:par>
+                      </p:childTnLst>
+                    </p:cTn>
+                  </p:par>
+                </p:childTnLst>
+              </p:cTn>
+              <p:prevCondLst>
+                <p:cond evt="onPrev" delay="0">
+                  <p:tgtEl>
+                    <p:sldTgt/>
+                  </p:tgtEl>
+                </p:cond>
+              </p:prevCondLst>
+              <p:nextCondLst>
+                <p:cond evt="onNext" delay="0">
+                  <p:tgtEl>
+                    <p:sldTgt/>
+                  </p:tgtEl>
+                </p:cond>
+              </p:nextCondLst>
+            </p:seq>
+          </p:childTnLst>
+        </p:cTn>
       </p:par>
     </p:tnLst>
+    <p:bldLst>
+      <p:bldP spid="4" grpId="0"/>
+    </p:bldLst>
   </p:timing>
 </p:sld>
 </file>
@@ -5017,7 +5132,7 @@
         </p:spPr>
         <p:txBody>
           <a:bodyPr>
-            <a:normAutofit fontScale="77500" lnSpcReduction="20000"/>
+            <a:normAutofit fontScale="92500" lnSpcReduction="20000"/>
           </a:bodyPr>
           <a:lstStyle/>
           <a:p>
@@ -5071,12 +5186,6 @@
               <a:t>inferioare</a:t>
             </a:r>
             <a:endParaRPr lang="en-US" dirty="0" smtClean="0"/>
-          </a:p>
-          <a:p>
-            <a:r>
-              <a:rPr lang="en-US" dirty="0" smtClean="0"/>
-              <a:t>Bibliografie</a:t>
-            </a:r>
           </a:p>
           <a:p>
             <a:pPr marL="82296" indent="0">
@@ -5540,121 +5649,6 @@
                                           <p:spTgt spid="3">
                                             <p:txEl>
                                               <p:pRg st="2" end="2"/>
-                                            </p:txEl>
-                                          </p:spTgt>
-                                        </p:tgtEl>
-                                      </p:cBhvr>
-                                    </p:animEffect>
-                                  </p:childTnLst>
-                                </p:cTn>
-                              </p:par>
-                            </p:childTnLst>
-                          </p:cTn>
-                        </p:par>
-                      </p:childTnLst>
-                    </p:cTn>
-                  </p:par>
-                  <p:par>
-                    <p:cTn id="31" fill="hold">
-                      <p:stCondLst>
-                        <p:cond delay="indefinite"/>
-                      </p:stCondLst>
-                      <p:childTnLst>
-                        <p:par>
-                          <p:cTn id="32" fill="hold">
-                            <p:stCondLst>
-                              <p:cond delay="0"/>
-                            </p:stCondLst>
-                            <p:childTnLst>
-                              <p:par>
-                                <p:cTn id="33" presetID="53" presetClass="entr" presetSubtype="0" fill="hold" nodeType="clickEffect">
-                                  <p:stCondLst>
-                                    <p:cond delay="0"/>
-                                  </p:stCondLst>
-                                  <p:childTnLst>
-                                    <p:set>
-                                      <p:cBhvr>
-                                        <p:cTn id="34" dur="1" fill="hold">
-                                          <p:stCondLst>
-                                            <p:cond delay="0"/>
-                                          </p:stCondLst>
-                                        </p:cTn>
-                                        <p:tgtEl>
-                                          <p:spTgt spid="3">
-                                            <p:txEl>
-                                              <p:pRg st="3" end="3"/>
-                                            </p:txEl>
-                                          </p:spTgt>
-                                        </p:tgtEl>
-                                        <p:attrNameLst>
-                                          <p:attrName>style.visibility</p:attrName>
-                                        </p:attrNameLst>
-                                      </p:cBhvr>
-                                      <p:to>
-                                        <p:strVal val="visible"/>
-                                      </p:to>
-                                    </p:set>
-                                    <p:anim calcmode="lin" valueType="num">
-                                      <p:cBhvr>
-                                        <p:cTn id="35" dur="500" fill="hold"/>
-                                        <p:tgtEl>
-                                          <p:spTgt spid="3">
-                                            <p:txEl>
-                                              <p:pRg st="3" end="3"/>
-                                            </p:txEl>
-                                          </p:spTgt>
-                                        </p:tgtEl>
-                                        <p:attrNameLst>
-                                          <p:attrName>ppt_w</p:attrName>
-                                        </p:attrNameLst>
-                                      </p:cBhvr>
-                                      <p:tavLst>
-                                        <p:tav tm="0">
-                                          <p:val>
-                                            <p:fltVal val="0"/>
-                                          </p:val>
-                                        </p:tav>
-                                        <p:tav tm="100000">
-                                          <p:val>
-                                            <p:strVal val="#ppt_w"/>
-                                          </p:val>
-                                        </p:tav>
-                                      </p:tavLst>
-                                    </p:anim>
-                                    <p:anim calcmode="lin" valueType="num">
-                                      <p:cBhvr>
-                                        <p:cTn id="36" dur="500" fill="hold"/>
-                                        <p:tgtEl>
-                                          <p:spTgt spid="3">
-                                            <p:txEl>
-                                              <p:pRg st="3" end="3"/>
-                                            </p:txEl>
-                                          </p:spTgt>
-                                        </p:tgtEl>
-                                        <p:attrNameLst>
-                                          <p:attrName>ppt_h</p:attrName>
-                                        </p:attrNameLst>
-                                      </p:cBhvr>
-                                      <p:tavLst>
-                                        <p:tav tm="0">
-                                          <p:val>
-                                            <p:fltVal val="0"/>
-                                          </p:val>
-                                        </p:tav>
-                                        <p:tav tm="100000">
-                                          <p:val>
-                                            <p:strVal val="#ppt_h"/>
-                                          </p:val>
-                                        </p:tav>
-                                      </p:tavLst>
-                                    </p:anim>
-                                    <p:animEffect transition="in" filter="fade">
-                                      <p:cBhvr>
-                                        <p:cTn id="37" dur="500"/>
-                                        <p:tgtEl>
-                                          <p:spTgt spid="3">
-                                            <p:txEl>
-                                              <p:pRg st="3" end="3"/>
                                             </p:txEl>
                                           </p:spTgt>
                                         </p:tgtEl>
@@ -11313,8 +11307,8 @@
         </p:nvSpPr>
         <p:spPr>
           <a:xfrm>
-            <a:off x="1187624" y="1700808"/>
-            <a:ext cx="7704856" cy="4678204"/>
+            <a:off x="1161839" y="1844824"/>
+            <a:ext cx="7704856" cy="4708981"/>
           </a:xfrm>
           <a:prstGeom prst="rect">
             <a:avLst/>
@@ -11358,7 +11352,15 @@
             </a:pPr>
             <a:r>
               <a:rPr lang="vi-VN" sz="2000" dirty="0"/>
-              <a:t>Pentru început, punctele sunt sortate lexicografic (mai întâi în funcție de coordonatele x, iar in caz de egalitate și după coordonatele y.), iar apoi construindu-se învelitoarea superioara și cea inferioară ale punctelor în O(n) timp. </a:t>
+              <a:t>Pentru început, punctele sunt sortate lexicografic (mai întâi în funcție de coordonatele x, iar in caz de egalitate și după coordonatele </a:t>
+            </a:r>
+            <a:r>
+              <a:rPr lang="vi-VN" sz="2000" dirty="0" smtClean="0"/>
+              <a:t>y), </a:t>
+            </a:r>
+            <a:r>
+              <a:rPr lang="vi-VN" sz="2000" dirty="0"/>
+              <a:t>iar apoi construindu-se învelitoarea superioara și cea inferioară ale punctelor în O(n) timp. </a:t>
             </a:r>
             <a:r>
               <a:rPr lang="en-US" sz="2000" dirty="0" smtClean="0">
@@ -11401,7 +11403,7 @@
               <a:buFont typeface="Arial" pitchFamily="34" charset="0"/>
               <a:buChar char="•"/>
             </a:pPr>
-            <a:endParaRPr lang="en-US" b="1" dirty="0">
+            <a:endParaRPr lang="en-US" sz="2000" b="1" dirty="0">
               <a:latin typeface="Gill Sans MT" pitchFamily="34" charset="0"/>
             </a:endParaRPr>
           </a:p>
@@ -11653,9 +11655,271 @@
   <p:timing>
     <p:tnLst>
       <p:par>
-        <p:cTn id="1" dur="indefinite" restart="never" nodeType="tmRoot"/>
+        <p:cTn id="1" dur="indefinite" restart="never" nodeType="tmRoot">
+          <p:childTnLst>
+            <p:seq concurrent="1" nextAc="seek">
+              <p:cTn id="2" dur="indefinite" nodeType="mainSeq">
+                <p:childTnLst>
+                  <p:par>
+                    <p:cTn id="3" fill="hold">
+                      <p:stCondLst>
+                        <p:cond delay="indefinite"/>
+                      </p:stCondLst>
+                      <p:childTnLst>
+                        <p:par>
+                          <p:cTn id="4" fill="hold">
+                            <p:stCondLst>
+                              <p:cond delay="0"/>
+                            </p:stCondLst>
+                            <p:childTnLst>
+                              <p:par>
+                                <p:cTn id="5" presetID="18" presetClass="entr" presetSubtype="12" fill="hold" grpId="0" nodeType="clickEffect">
+                                  <p:stCondLst>
+                                    <p:cond delay="0"/>
+                                  </p:stCondLst>
+                                  <p:childTnLst>
+                                    <p:set>
+                                      <p:cBhvr>
+                                        <p:cTn id="6" dur="1" fill="hold">
+                                          <p:stCondLst>
+                                            <p:cond delay="0"/>
+                                          </p:stCondLst>
+                                        </p:cTn>
+                                        <p:tgtEl>
+                                          <p:spTgt spid="2"/>
+                                        </p:tgtEl>
+                                        <p:attrNameLst>
+                                          <p:attrName>style.visibility</p:attrName>
+                                        </p:attrNameLst>
+                                      </p:cBhvr>
+                                      <p:to>
+                                        <p:strVal val="visible"/>
+                                      </p:to>
+                                    </p:set>
+                                    <p:animEffect transition="in" filter="strips(downLeft)">
+                                      <p:cBhvr>
+                                        <p:cTn id="7" dur="500"/>
+                                        <p:tgtEl>
+                                          <p:spTgt spid="2"/>
+                                        </p:tgtEl>
+                                      </p:cBhvr>
+                                    </p:animEffect>
+                                  </p:childTnLst>
+                                </p:cTn>
+                              </p:par>
+                            </p:childTnLst>
+                          </p:cTn>
+                        </p:par>
+                      </p:childTnLst>
+                    </p:cTn>
+                  </p:par>
+                  <p:par>
+                    <p:cTn id="8" fill="hold">
+                      <p:stCondLst>
+                        <p:cond delay="indefinite"/>
+                      </p:stCondLst>
+                      <p:childTnLst>
+                        <p:par>
+                          <p:cTn id="9" fill="hold">
+                            <p:stCondLst>
+                              <p:cond delay="0"/>
+                            </p:stCondLst>
+                            <p:childTnLst>
+                              <p:par>
+                                <p:cTn id="10" presetID="3" presetClass="entr" presetSubtype="10" fill="hold" nodeType="clickEffect">
+                                  <p:stCondLst>
+                                    <p:cond delay="0"/>
+                                  </p:stCondLst>
+                                  <p:childTnLst>
+                                    <p:set>
+                                      <p:cBhvr>
+                                        <p:cTn id="11" dur="1" fill="hold">
+                                          <p:stCondLst>
+                                            <p:cond delay="0"/>
+                                          </p:stCondLst>
+                                        </p:cTn>
+                                        <p:tgtEl>
+                                          <p:spTgt spid="6">
+                                            <p:txEl>
+                                              <p:pRg st="0" end="0"/>
+                                            </p:txEl>
+                                          </p:spTgt>
+                                        </p:tgtEl>
+                                        <p:attrNameLst>
+                                          <p:attrName>style.visibility</p:attrName>
+                                        </p:attrNameLst>
+                                      </p:cBhvr>
+                                      <p:to>
+                                        <p:strVal val="visible"/>
+                                      </p:to>
+                                    </p:set>
+                                    <p:animEffect transition="in" filter="blinds(horizontal)">
+                                      <p:cBhvr>
+                                        <p:cTn id="12" dur="500"/>
+                                        <p:tgtEl>
+                                          <p:spTgt spid="6">
+                                            <p:txEl>
+                                              <p:pRg st="0" end="0"/>
+                                            </p:txEl>
+                                          </p:spTgt>
+                                        </p:tgtEl>
+                                      </p:cBhvr>
+                                    </p:animEffect>
+                                  </p:childTnLst>
+                                </p:cTn>
+                              </p:par>
+                            </p:childTnLst>
+                          </p:cTn>
+                        </p:par>
+                      </p:childTnLst>
+                    </p:cTn>
+                  </p:par>
+                  <p:par>
+                    <p:cTn id="13" fill="hold">
+                      <p:stCondLst>
+                        <p:cond delay="indefinite"/>
+                      </p:stCondLst>
+                      <p:childTnLst>
+                        <p:par>
+                          <p:cTn id="14" fill="hold">
+                            <p:stCondLst>
+                              <p:cond delay="0"/>
+                            </p:stCondLst>
+                            <p:childTnLst>
+                              <p:par>
+                                <p:cTn id="15" presetID="3" presetClass="entr" presetSubtype="10" fill="hold" nodeType="clickEffect">
+                                  <p:stCondLst>
+                                    <p:cond delay="0"/>
+                                  </p:stCondLst>
+                                  <p:childTnLst>
+                                    <p:set>
+                                      <p:cBhvr>
+                                        <p:cTn id="16" dur="1" fill="hold">
+                                          <p:stCondLst>
+                                            <p:cond delay="0"/>
+                                          </p:stCondLst>
+                                        </p:cTn>
+                                        <p:tgtEl>
+                                          <p:spTgt spid="6">
+                                            <p:txEl>
+                                              <p:pRg st="2" end="2"/>
+                                            </p:txEl>
+                                          </p:spTgt>
+                                        </p:tgtEl>
+                                        <p:attrNameLst>
+                                          <p:attrName>style.visibility</p:attrName>
+                                        </p:attrNameLst>
+                                      </p:cBhvr>
+                                      <p:to>
+                                        <p:strVal val="visible"/>
+                                      </p:to>
+                                    </p:set>
+                                    <p:animEffect transition="in" filter="blinds(horizontal)">
+                                      <p:cBhvr>
+                                        <p:cTn id="17" dur="500"/>
+                                        <p:tgtEl>
+                                          <p:spTgt spid="6">
+                                            <p:txEl>
+                                              <p:pRg st="2" end="2"/>
+                                            </p:txEl>
+                                          </p:spTgt>
+                                        </p:tgtEl>
+                                      </p:cBhvr>
+                                    </p:animEffect>
+                                  </p:childTnLst>
+                                </p:cTn>
+                              </p:par>
+                            </p:childTnLst>
+                          </p:cTn>
+                        </p:par>
+                      </p:childTnLst>
+                    </p:cTn>
+                  </p:par>
+                  <p:par>
+                    <p:cTn id="18" fill="hold">
+                      <p:stCondLst>
+                        <p:cond delay="indefinite"/>
+                      </p:stCondLst>
+                      <p:childTnLst>
+                        <p:par>
+                          <p:cTn id="19" fill="hold">
+                            <p:stCondLst>
+                              <p:cond delay="0"/>
+                            </p:stCondLst>
+                            <p:childTnLst>
+                              <p:par>
+                                <p:cTn id="20" presetID="3" presetClass="entr" presetSubtype="10" fill="hold" nodeType="clickEffect">
+                                  <p:stCondLst>
+                                    <p:cond delay="0"/>
+                                  </p:stCondLst>
+                                  <p:childTnLst>
+                                    <p:set>
+                                      <p:cBhvr>
+                                        <p:cTn id="21" dur="1" fill="hold">
+                                          <p:stCondLst>
+                                            <p:cond delay="0"/>
+                                          </p:stCondLst>
+                                        </p:cTn>
+                                        <p:tgtEl>
+                                          <p:spTgt spid="6">
+                                            <p:txEl>
+                                              <p:pRg st="3" end="3"/>
+                                            </p:txEl>
+                                          </p:spTgt>
+                                        </p:tgtEl>
+                                        <p:attrNameLst>
+                                          <p:attrName>style.visibility</p:attrName>
+                                        </p:attrNameLst>
+                                      </p:cBhvr>
+                                      <p:to>
+                                        <p:strVal val="visible"/>
+                                      </p:to>
+                                    </p:set>
+                                    <p:animEffect transition="in" filter="blinds(horizontal)">
+                                      <p:cBhvr>
+                                        <p:cTn id="22" dur="500"/>
+                                        <p:tgtEl>
+                                          <p:spTgt spid="6">
+                                            <p:txEl>
+                                              <p:pRg st="3" end="3"/>
+                                            </p:txEl>
+                                          </p:spTgt>
+                                        </p:tgtEl>
+                                      </p:cBhvr>
+                                    </p:animEffect>
+                                  </p:childTnLst>
+                                </p:cTn>
+                              </p:par>
+                            </p:childTnLst>
+                          </p:cTn>
+                        </p:par>
+                      </p:childTnLst>
+                    </p:cTn>
+                  </p:par>
+                </p:childTnLst>
+              </p:cTn>
+              <p:prevCondLst>
+                <p:cond evt="onPrev" delay="0">
+                  <p:tgtEl>
+                    <p:sldTgt/>
+                  </p:tgtEl>
+                </p:cond>
+              </p:prevCondLst>
+              <p:nextCondLst>
+                <p:cond evt="onNext" delay="0">
+                  <p:tgtEl>
+                    <p:sldTgt/>
+                  </p:tgtEl>
+                </p:cond>
+              </p:nextCondLst>
+            </p:seq>
+          </p:childTnLst>
+        </p:cTn>
       </p:par>
     </p:tnLst>
+    <p:bldLst>
+      <p:bldP spid="2" grpId="0"/>
+    </p:bldLst>
   </p:timing>
 </p:sld>
 </file>
@@ -11936,7 +12200,7 @@
           </a:bodyPr>
           <a:lstStyle/>
           <a:p>
-            <a:pPr marL="285750" indent="-285750">
+            <a:pPr marL="285750" indent="-285750" algn="ctr">
               <a:buClr>
                 <a:schemeClr val="accent1"/>
               </a:buClr>
@@ -12134,7 +12398,7 @@
             <a:endParaRPr lang="en-US" sz="2800" dirty="0" smtClean="0"/>
           </a:p>
           <a:p>
-            <a:pPr marL="285750" indent="-285750">
+            <a:pPr marL="285750" indent="-285750" algn="ctr">
               <a:buClr>
                 <a:schemeClr val="accent1"/>
               </a:buClr>
@@ -12255,9 +12519,210 @@
   <p:timing>
     <p:tnLst>
       <p:par>
-        <p:cTn id="1" dur="indefinite" restart="never" nodeType="tmRoot"/>
+        <p:cTn id="1" dur="indefinite" restart="never" nodeType="tmRoot">
+          <p:childTnLst>
+            <p:seq concurrent="1" nextAc="seek">
+              <p:cTn id="2" dur="indefinite" nodeType="mainSeq">
+                <p:childTnLst>
+                  <p:par>
+                    <p:cTn id="3" fill="hold">
+                      <p:stCondLst>
+                        <p:cond delay="indefinite"/>
+                      </p:stCondLst>
+                      <p:childTnLst>
+                        <p:par>
+                          <p:cTn id="4" fill="hold">
+                            <p:stCondLst>
+                              <p:cond delay="0"/>
+                            </p:stCondLst>
+                            <p:childTnLst>
+                              <p:par>
+                                <p:cTn id="5" presetID="18" presetClass="entr" presetSubtype="12" fill="hold" grpId="0" nodeType="clickEffect">
+                                  <p:stCondLst>
+                                    <p:cond delay="0"/>
+                                  </p:stCondLst>
+                                  <p:childTnLst>
+                                    <p:set>
+                                      <p:cBhvr>
+                                        <p:cTn id="6" dur="1" fill="hold">
+                                          <p:stCondLst>
+                                            <p:cond delay="0"/>
+                                          </p:stCondLst>
+                                        </p:cTn>
+                                        <p:tgtEl>
+                                          <p:spTgt spid="2"/>
+                                        </p:tgtEl>
+                                        <p:attrNameLst>
+                                          <p:attrName>style.visibility</p:attrName>
+                                        </p:attrNameLst>
+                                      </p:cBhvr>
+                                      <p:to>
+                                        <p:strVal val="visible"/>
+                                      </p:to>
+                                    </p:set>
+                                    <p:animEffect transition="in" filter="strips(downLeft)">
+                                      <p:cBhvr>
+                                        <p:cTn id="7" dur="500"/>
+                                        <p:tgtEl>
+                                          <p:spTgt spid="2"/>
+                                        </p:tgtEl>
+                                      </p:cBhvr>
+                                    </p:animEffect>
+                                  </p:childTnLst>
+                                </p:cTn>
+                              </p:par>
+                            </p:childTnLst>
+                          </p:cTn>
+                        </p:par>
+                      </p:childTnLst>
+                    </p:cTn>
+                  </p:par>
+                  <p:par>
+                    <p:cTn id="8" fill="hold">
+                      <p:stCondLst>
+                        <p:cond delay="indefinite"/>
+                      </p:stCondLst>
+                      <p:childTnLst>
+                        <p:par>
+                          <p:cTn id="9" fill="hold">
+                            <p:stCondLst>
+                              <p:cond delay="0"/>
+                            </p:stCondLst>
+                            <p:childTnLst>
+                              <p:par>
+                                <p:cTn id="10" presetID="3" presetClass="entr" presetSubtype="10" fill="hold" nodeType="clickEffect">
+                                  <p:stCondLst>
+                                    <p:cond delay="0"/>
+                                  </p:stCondLst>
+                                  <p:childTnLst>
+                                    <p:set>
+                                      <p:cBhvr>
+                                        <p:cTn id="11" dur="1" fill="hold">
+                                          <p:stCondLst>
+                                            <p:cond delay="0"/>
+                                          </p:stCondLst>
+                                        </p:cTn>
+                                        <p:tgtEl>
+                                          <p:spTgt spid="4">
+                                            <p:txEl>
+                                              <p:pRg st="0" end="0"/>
+                                            </p:txEl>
+                                          </p:spTgt>
+                                        </p:tgtEl>
+                                        <p:attrNameLst>
+                                          <p:attrName>style.visibility</p:attrName>
+                                        </p:attrNameLst>
+                                      </p:cBhvr>
+                                      <p:to>
+                                        <p:strVal val="visible"/>
+                                      </p:to>
+                                    </p:set>
+                                    <p:animEffect transition="in" filter="blinds(horizontal)">
+                                      <p:cBhvr>
+                                        <p:cTn id="12" dur="500"/>
+                                        <p:tgtEl>
+                                          <p:spTgt spid="4">
+                                            <p:txEl>
+                                              <p:pRg st="0" end="0"/>
+                                            </p:txEl>
+                                          </p:spTgt>
+                                        </p:tgtEl>
+                                      </p:cBhvr>
+                                    </p:animEffect>
+                                  </p:childTnLst>
+                                </p:cTn>
+                              </p:par>
+                            </p:childTnLst>
+                          </p:cTn>
+                        </p:par>
+                      </p:childTnLst>
+                    </p:cTn>
+                  </p:par>
+                  <p:par>
+                    <p:cTn id="13" fill="hold">
+                      <p:stCondLst>
+                        <p:cond delay="indefinite"/>
+                      </p:stCondLst>
+                      <p:childTnLst>
+                        <p:par>
+                          <p:cTn id="14" fill="hold">
+                            <p:stCondLst>
+                              <p:cond delay="0"/>
+                            </p:stCondLst>
+                            <p:childTnLst>
+                              <p:par>
+                                <p:cTn id="15" presetID="3" presetClass="entr" presetSubtype="10" fill="hold" nodeType="clickEffect">
+                                  <p:stCondLst>
+                                    <p:cond delay="0"/>
+                                  </p:stCondLst>
+                                  <p:childTnLst>
+                                    <p:set>
+                                      <p:cBhvr>
+                                        <p:cTn id="16" dur="1" fill="hold">
+                                          <p:stCondLst>
+                                            <p:cond delay="0"/>
+                                          </p:stCondLst>
+                                        </p:cTn>
+                                        <p:tgtEl>
+                                          <p:spTgt spid="4">
+                                            <p:txEl>
+                                              <p:pRg st="1" end="1"/>
+                                            </p:txEl>
+                                          </p:spTgt>
+                                        </p:tgtEl>
+                                        <p:attrNameLst>
+                                          <p:attrName>style.visibility</p:attrName>
+                                        </p:attrNameLst>
+                                      </p:cBhvr>
+                                      <p:to>
+                                        <p:strVal val="visible"/>
+                                      </p:to>
+                                    </p:set>
+                                    <p:animEffect transition="in" filter="blinds(horizontal)">
+                                      <p:cBhvr>
+                                        <p:cTn id="17" dur="500"/>
+                                        <p:tgtEl>
+                                          <p:spTgt spid="4">
+                                            <p:txEl>
+                                              <p:pRg st="1" end="1"/>
+                                            </p:txEl>
+                                          </p:spTgt>
+                                        </p:tgtEl>
+                                      </p:cBhvr>
+                                    </p:animEffect>
+                                  </p:childTnLst>
+                                </p:cTn>
+                              </p:par>
+                            </p:childTnLst>
+                          </p:cTn>
+                        </p:par>
+                      </p:childTnLst>
+                    </p:cTn>
+                  </p:par>
+                </p:childTnLst>
+              </p:cTn>
+              <p:prevCondLst>
+                <p:cond evt="onPrev" delay="0">
+                  <p:tgtEl>
+                    <p:sldTgt/>
+                  </p:tgtEl>
+                </p:cond>
+              </p:prevCondLst>
+              <p:nextCondLst>
+                <p:cond evt="onNext" delay="0">
+                  <p:tgtEl>
+                    <p:sldTgt/>
+                  </p:tgtEl>
+                </p:cond>
+              </p:nextCondLst>
+            </p:seq>
+          </p:childTnLst>
+        </p:cTn>
       </p:par>
     </p:tnLst>
+    <p:bldLst>
+      <p:bldP spid="2" grpId="0"/>
+    </p:bldLst>
   </p:timing>
 </p:sld>
 </file>
